--- a/Presentation.pptx
+++ b/Presentation.pptx
@@ -5,20 +5,21 @@
     <p:sldMasterId id="2147483648" r:id="rId1"/>
   </p:sldMasterIdLst>
   <p:notesMasterIdLst>
-    <p:notesMasterId r:id="rId13"/>
+    <p:notesMasterId r:id="rId14"/>
   </p:notesMasterIdLst>
   <p:sldIdLst>
     <p:sldId id="256" r:id="rId2"/>
-    <p:sldId id="257" r:id="rId3"/>
-    <p:sldId id="258" r:id="rId4"/>
-    <p:sldId id="259" r:id="rId5"/>
-    <p:sldId id="260" r:id="rId6"/>
-    <p:sldId id="261" r:id="rId7"/>
-    <p:sldId id="262" r:id="rId8"/>
-    <p:sldId id="263" r:id="rId9"/>
-    <p:sldId id="264" r:id="rId10"/>
-    <p:sldId id="265" r:id="rId11"/>
-    <p:sldId id="266" r:id="rId12"/>
+    <p:sldId id="267" r:id="rId3"/>
+    <p:sldId id="268" r:id="rId4"/>
+    <p:sldId id="269" r:id="rId5"/>
+    <p:sldId id="270" r:id="rId6"/>
+    <p:sldId id="260" r:id="rId7"/>
+    <p:sldId id="261" r:id="rId8"/>
+    <p:sldId id="262" r:id="rId9"/>
+    <p:sldId id="263" r:id="rId10"/>
+    <p:sldId id="264" r:id="rId11"/>
+    <p:sldId id="265" r:id="rId12"/>
+    <p:sldId id="266" r:id="rId13"/>
   </p:sldIdLst>
   <p:sldSz cx="12192000" cy="6858000"/>
   <p:notesSz cx="6858000" cy="9144000"/>
@@ -516,7 +517,7 @@
           <a:p>
             <a:r>
               <a:rPr lang="en-US" dirty="0" smtClean="0"/>
-              <a:t>Conceptual model</a:t>
+              <a:t>conceptual</a:t>
             </a:r>
             <a:endParaRPr lang="en-US" dirty="0"/>
           </a:p>
@@ -539,7 +540,7 @@
           <a:p>
             <a:fld id="{FAB1030A-3F1F-CB4C-9072-3371719704E7}" type="slidenum">
               <a:rPr lang="en-US" smtClean="0"/>
-              <a:t>9</a:t>
+              <a:t>3</a:t>
             </a:fld>
             <a:endParaRPr lang="en-US"/>
           </a:p>
@@ -548,7 +549,7 @@
     </p:spTree>
     <p:extLst>
       <p:ext uri="{BB962C8B-B14F-4D97-AF65-F5344CB8AC3E}">
-        <p14:creationId xmlns:p14="http://schemas.microsoft.com/office/powerpoint/2010/main" val="1651922763"/>
+        <p14:creationId xmlns:p14="http://schemas.microsoft.com/office/powerpoint/2010/main" val="615406435"/>
       </p:ext>
     </p:extLst>
   </p:cSld>
@@ -604,11 +605,7 @@
           <a:p>
             <a:r>
               <a:rPr lang="en-US" dirty="0" smtClean="0"/>
-              <a:t>Description of part 2</a:t>
-            </a:r>
-            <a:r>
-              <a:rPr lang="en-US" baseline="0" dirty="0" smtClean="0"/>
-              <a:t> with a few representative screenshots</a:t>
+              <a:t>logical</a:t>
             </a:r>
             <a:endParaRPr lang="en-US" dirty="0"/>
           </a:p>
@@ -631,7 +628,7 @@
           <a:p>
             <a:fld id="{FAB1030A-3F1F-CB4C-9072-3371719704E7}" type="slidenum">
               <a:rPr lang="en-US" smtClean="0"/>
-              <a:t>10</a:t>
+              <a:t>4</a:t>
             </a:fld>
             <a:endParaRPr lang="en-US"/>
           </a:p>
@@ -640,7 +637,7 @@
     </p:spTree>
     <p:extLst>
       <p:ext uri="{BB962C8B-B14F-4D97-AF65-F5344CB8AC3E}">
-        <p14:creationId xmlns:p14="http://schemas.microsoft.com/office/powerpoint/2010/main" val="1197289325"/>
+        <p14:creationId xmlns:p14="http://schemas.microsoft.com/office/powerpoint/2010/main" val="1286496836"/>
       </p:ext>
     </p:extLst>
   </p:cSld>
@@ -696,6 +693,276 @@
           <a:p>
             <a:r>
               <a:rPr lang="en-US" dirty="0" smtClean="0"/>
+              <a:t>Relational</a:t>
+            </a:r>
+          </a:p>
+          <a:p>
+            <a:endParaRPr lang="en-US" dirty="0"/>
+          </a:p>
+        </p:txBody>
+      </p:sp>
+      <p:sp>
+        <p:nvSpPr>
+          <p:cNvPr id="4" name="Slide Number Placeholder 3"/>
+          <p:cNvSpPr>
+            <a:spLocks noGrp="1"/>
+          </p:cNvSpPr>
+          <p:nvPr>
+            <p:ph type="sldNum" sz="quarter" idx="10"/>
+          </p:nvPr>
+        </p:nvSpPr>
+        <p:spPr/>
+        <p:txBody>
+          <a:bodyPr/>
+          <a:lstStyle/>
+          <a:p>
+            <a:fld id="{FAB1030A-3F1F-CB4C-9072-3371719704E7}" type="slidenum">
+              <a:rPr lang="en-US" smtClean="0"/>
+              <a:t>5</a:t>
+            </a:fld>
+            <a:endParaRPr lang="en-US"/>
+          </a:p>
+        </p:txBody>
+      </p:sp>
+    </p:spTree>
+    <p:extLst>
+      <p:ext uri="{BB962C8B-B14F-4D97-AF65-F5344CB8AC3E}">
+        <p14:creationId xmlns:p14="http://schemas.microsoft.com/office/powerpoint/2010/main" val="576966196"/>
+      </p:ext>
+    </p:extLst>
+  </p:cSld>
+  <p:clrMapOvr>
+    <a:masterClrMapping/>
+  </p:clrMapOvr>
+</p:notes>
+</file>
+
+<file path=ppt/notesSlides/notesSlide4.xml><?xml version="1.0" encoding="utf-8"?>
+<p:notes xmlns:a="http://schemas.openxmlformats.org/drawingml/2006/main" xmlns:r="http://schemas.openxmlformats.org/officeDocument/2006/relationships" xmlns:p="http://schemas.openxmlformats.org/presentationml/2006/main">
+  <p:cSld>
+    <p:spTree>
+      <p:nvGrpSpPr>
+        <p:cNvPr id="1" name=""/>
+        <p:cNvGrpSpPr/>
+        <p:nvPr/>
+      </p:nvGrpSpPr>
+      <p:grpSpPr>
+        <a:xfrm>
+          <a:off x="0" y="0"/>
+          <a:ext cx="0" cy="0"/>
+          <a:chOff x="0" y="0"/>
+          <a:chExt cx="0" cy="0"/>
+        </a:xfrm>
+      </p:grpSpPr>
+      <p:sp>
+        <p:nvSpPr>
+          <p:cNvPr id="2" name="Slide Image Placeholder 1"/>
+          <p:cNvSpPr>
+            <a:spLocks noGrp="1" noRot="1" noChangeAspect="1"/>
+          </p:cNvSpPr>
+          <p:nvPr>
+            <p:ph type="sldImg"/>
+          </p:nvPr>
+        </p:nvSpPr>
+        <p:spPr/>
+      </p:sp>
+      <p:sp>
+        <p:nvSpPr>
+          <p:cNvPr id="3" name="Notes Placeholder 2"/>
+          <p:cNvSpPr>
+            <a:spLocks noGrp="1"/>
+          </p:cNvSpPr>
+          <p:nvPr>
+            <p:ph type="body" idx="1"/>
+          </p:nvPr>
+        </p:nvSpPr>
+        <p:spPr/>
+        <p:txBody>
+          <a:bodyPr/>
+          <a:lstStyle/>
+          <a:p>
+            <a:r>
+              <a:rPr lang="en-US" dirty="0" smtClean="0"/>
+              <a:t>Conceptual model</a:t>
+            </a:r>
+            <a:endParaRPr lang="en-US" dirty="0"/>
+          </a:p>
+        </p:txBody>
+      </p:sp>
+      <p:sp>
+        <p:nvSpPr>
+          <p:cNvPr id="4" name="Slide Number Placeholder 3"/>
+          <p:cNvSpPr>
+            <a:spLocks noGrp="1"/>
+          </p:cNvSpPr>
+          <p:nvPr>
+            <p:ph type="sldNum" sz="quarter" idx="10"/>
+          </p:nvPr>
+        </p:nvSpPr>
+        <p:spPr/>
+        <p:txBody>
+          <a:bodyPr/>
+          <a:lstStyle/>
+          <a:p>
+            <a:fld id="{FAB1030A-3F1F-CB4C-9072-3371719704E7}" type="slidenum">
+              <a:rPr lang="en-US" smtClean="0"/>
+              <a:t>10</a:t>
+            </a:fld>
+            <a:endParaRPr lang="en-US"/>
+          </a:p>
+        </p:txBody>
+      </p:sp>
+    </p:spTree>
+    <p:extLst>
+      <p:ext uri="{BB962C8B-B14F-4D97-AF65-F5344CB8AC3E}">
+        <p14:creationId xmlns:p14="http://schemas.microsoft.com/office/powerpoint/2010/main" val="1651922763"/>
+      </p:ext>
+    </p:extLst>
+  </p:cSld>
+  <p:clrMapOvr>
+    <a:masterClrMapping/>
+  </p:clrMapOvr>
+</p:notes>
+</file>
+
+<file path=ppt/notesSlides/notesSlide5.xml><?xml version="1.0" encoding="utf-8"?>
+<p:notes xmlns:a="http://schemas.openxmlformats.org/drawingml/2006/main" xmlns:r="http://schemas.openxmlformats.org/officeDocument/2006/relationships" xmlns:p="http://schemas.openxmlformats.org/presentationml/2006/main">
+  <p:cSld>
+    <p:spTree>
+      <p:nvGrpSpPr>
+        <p:cNvPr id="1" name=""/>
+        <p:cNvGrpSpPr/>
+        <p:nvPr/>
+      </p:nvGrpSpPr>
+      <p:grpSpPr>
+        <a:xfrm>
+          <a:off x="0" y="0"/>
+          <a:ext cx="0" cy="0"/>
+          <a:chOff x="0" y="0"/>
+          <a:chExt cx="0" cy="0"/>
+        </a:xfrm>
+      </p:grpSpPr>
+      <p:sp>
+        <p:nvSpPr>
+          <p:cNvPr id="2" name="Slide Image Placeholder 1"/>
+          <p:cNvSpPr>
+            <a:spLocks noGrp="1" noRot="1" noChangeAspect="1"/>
+          </p:cNvSpPr>
+          <p:nvPr>
+            <p:ph type="sldImg"/>
+          </p:nvPr>
+        </p:nvSpPr>
+        <p:spPr/>
+      </p:sp>
+      <p:sp>
+        <p:nvSpPr>
+          <p:cNvPr id="3" name="Notes Placeholder 2"/>
+          <p:cNvSpPr>
+            <a:spLocks noGrp="1"/>
+          </p:cNvSpPr>
+          <p:nvPr>
+            <p:ph type="body" idx="1"/>
+          </p:nvPr>
+        </p:nvSpPr>
+        <p:spPr/>
+        <p:txBody>
+          <a:bodyPr/>
+          <a:lstStyle/>
+          <a:p>
+            <a:r>
+              <a:rPr lang="en-US" dirty="0" smtClean="0"/>
+              <a:t>Description of part 2</a:t>
+            </a:r>
+            <a:r>
+              <a:rPr lang="en-US" baseline="0" dirty="0" smtClean="0"/>
+              <a:t> with a few representative screenshots</a:t>
+            </a:r>
+            <a:endParaRPr lang="en-US" dirty="0"/>
+          </a:p>
+        </p:txBody>
+      </p:sp>
+      <p:sp>
+        <p:nvSpPr>
+          <p:cNvPr id="4" name="Slide Number Placeholder 3"/>
+          <p:cNvSpPr>
+            <a:spLocks noGrp="1"/>
+          </p:cNvSpPr>
+          <p:nvPr>
+            <p:ph type="sldNum" sz="quarter" idx="10"/>
+          </p:nvPr>
+        </p:nvSpPr>
+        <p:spPr/>
+        <p:txBody>
+          <a:bodyPr/>
+          <a:lstStyle/>
+          <a:p>
+            <a:fld id="{FAB1030A-3F1F-CB4C-9072-3371719704E7}" type="slidenum">
+              <a:rPr lang="en-US" smtClean="0"/>
+              <a:t>11</a:t>
+            </a:fld>
+            <a:endParaRPr lang="en-US"/>
+          </a:p>
+        </p:txBody>
+      </p:sp>
+    </p:spTree>
+    <p:extLst>
+      <p:ext uri="{BB962C8B-B14F-4D97-AF65-F5344CB8AC3E}">
+        <p14:creationId xmlns:p14="http://schemas.microsoft.com/office/powerpoint/2010/main" val="1197289325"/>
+      </p:ext>
+    </p:extLst>
+  </p:cSld>
+  <p:clrMapOvr>
+    <a:masterClrMapping/>
+  </p:clrMapOvr>
+</p:notes>
+</file>
+
+<file path=ppt/notesSlides/notesSlide6.xml><?xml version="1.0" encoding="utf-8"?>
+<p:notes xmlns:a="http://schemas.openxmlformats.org/drawingml/2006/main" xmlns:r="http://schemas.openxmlformats.org/officeDocument/2006/relationships" xmlns:p="http://schemas.openxmlformats.org/presentationml/2006/main">
+  <p:cSld>
+    <p:spTree>
+      <p:nvGrpSpPr>
+        <p:cNvPr id="1" name=""/>
+        <p:cNvGrpSpPr/>
+        <p:nvPr/>
+      </p:nvGrpSpPr>
+      <p:grpSpPr>
+        <a:xfrm>
+          <a:off x="0" y="0"/>
+          <a:ext cx="0" cy="0"/>
+          <a:chOff x="0" y="0"/>
+          <a:chExt cx="0" cy="0"/>
+        </a:xfrm>
+      </p:grpSpPr>
+      <p:sp>
+        <p:nvSpPr>
+          <p:cNvPr id="2" name="Slide Image Placeholder 1"/>
+          <p:cNvSpPr>
+            <a:spLocks noGrp="1" noRot="1" noChangeAspect="1"/>
+          </p:cNvSpPr>
+          <p:nvPr>
+            <p:ph type="sldImg"/>
+          </p:nvPr>
+        </p:nvSpPr>
+        <p:spPr/>
+      </p:sp>
+      <p:sp>
+        <p:nvSpPr>
+          <p:cNvPr id="3" name="Notes Placeholder 2"/>
+          <p:cNvSpPr>
+            <a:spLocks noGrp="1"/>
+          </p:cNvSpPr>
+          <p:nvPr>
+            <p:ph type="body" idx="1"/>
+          </p:nvPr>
+        </p:nvSpPr>
+        <p:spPr/>
+        <p:txBody>
+          <a:bodyPr/>
+          <a:lstStyle/>
+          <a:p>
+            <a:r>
+              <a:rPr lang="en-US" dirty="0" smtClean="0"/>
               <a:t>Pointer to our </a:t>
             </a:r>
             <a:r>
@@ -866,7 +1133,7 @@
           <a:p>
             <a:fld id="{FAB1030A-3F1F-CB4C-9072-3371719704E7}" type="slidenum">
               <a:rPr lang="en-US" smtClean="0"/>
-              <a:t>11</a:t>
+              <a:t>12</a:t>
             </a:fld>
             <a:endParaRPr lang="en-US"/>
           </a:p>
@@ -4645,6 +4912,36 @@
     </p:spTree>
     <p:extLst>
       <p:ext uri="{BB962C8B-B14F-4D97-AF65-F5344CB8AC3E}">
+        <p14:creationId xmlns:p14="http://schemas.microsoft.com/office/powerpoint/2010/main" val="1376168128"/>
+      </p:ext>
+    </p:extLst>
+  </p:cSld>
+  <p:clrMapOvr>
+    <a:masterClrMapping/>
+  </p:clrMapOvr>
+</p:sld>
+</file>
+
+<file path=ppt/slides/slide11.xml><?xml version="1.0" encoding="utf-8"?>
+<p:sld xmlns:a="http://schemas.openxmlformats.org/drawingml/2006/main" xmlns:r="http://schemas.openxmlformats.org/officeDocument/2006/relationships" xmlns:p="http://schemas.openxmlformats.org/presentationml/2006/main">
+  <p:cSld>
+    <p:spTree>
+      <p:nvGrpSpPr>
+        <p:cNvPr id="1" name=""/>
+        <p:cNvGrpSpPr/>
+        <p:nvPr/>
+      </p:nvGrpSpPr>
+      <p:grpSpPr>
+        <a:xfrm>
+          <a:off x="0" y="0"/>
+          <a:ext cx="0" cy="0"/>
+          <a:chOff x="0" y="0"/>
+          <a:chExt cx="0" cy="0"/>
+        </a:xfrm>
+      </p:grpSpPr>
+    </p:spTree>
+    <p:extLst>
+      <p:ext uri="{BB962C8B-B14F-4D97-AF65-F5344CB8AC3E}">
         <p14:creationId xmlns:p14="http://schemas.microsoft.com/office/powerpoint/2010/main" val="1439333055"/>
       </p:ext>
     </p:extLst>
@@ -4655,7 +4952,7 @@
 </p:sld>
 </file>
 
-<file path=ppt/slides/slide11.xml><?xml version="1.0" encoding="utf-8"?>
+<file path=ppt/slides/slide12.xml><?xml version="1.0" encoding="utf-8"?>
 <p:sld xmlns:a="http://schemas.openxmlformats.org/drawingml/2006/main" xmlns:r="http://schemas.openxmlformats.org/officeDocument/2006/relationships" xmlns:p="http://schemas.openxmlformats.org/presentationml/2006/main">
   <p:cSld>
     <p:spTree>
@@ -4719,35 +5016,39 @@
           <a:p>
             <a:r>
               <a:rPr lang="en-US" dirty="0" smtClean="0"/>
-              <a:t>Conceptual Model</a:t>
-            </a:r>
-            <a:endParaRPr lang="en-US" dirty="0"/>
-          </a:p>
-        </p:txBody>
-      </p:sp>
-      <p:sp>
-        <p:nvSpPr>
-          <p:cNvPr id="3" name="Content Placeholder 2"/>
-          <p:cNvSpPr>
-            <a:spLocks noGrp="1"/>
-          </p:cNvSpPr>
-          <p:nvPr>
-            <p:ph idx="1"/>
-          </p:nvPr>
-        </p:nvSpPr>
-        <p:spPr/>
-        <p:txBody>
-          <a:bodyPr/>
-          <a:lstStyle/>
-          <a:p>
-            <a:endParaRPr lang="en-US"/>
+              <a:t>Data Models</a:t>
+            </a:r>
+            <a:endParaRPr lang="en-US" dirty="0"/>
+          </a:p>
+        </p:txBody>
+      </p:sp>
+      <p:sp>
+        <p:nvSpPr>
+          <p:cNvPr id="3" name="Text Placeholder 2"/>
+          <p:cNvSpPr>
+            <a:spLocks noGrp="1"/>
+          </p:cNvSpPr>
+          <p:nvPr>
+            <p:ph type="body" idx="1"/>
+          </p:nvPr>
+        </p:nvSpPr>
+        <p:spPr/>
+        <p:txBody>
+          <a:bodyPr/>
+          <a:lstStyle/>
+          <a:p>
+            <a:r>
+              <a:rPr lang="en-US" dirty="0" smtClean="0"/>
+              <a:t>Concept to reality</a:t>
+            </a:r>
+            <a:endParaRPr lang="en-US" dirty="0"/>
           </a:p>
         </p:txBody>
       </p:sp>
     </p:spTree>
     <p:extLst>
       <p:ext uri="{BB962C8B-B14F-4D97-AF65-F5344CB8AC3E}">
-        <p14:creationId xmlns:p14="http://schemas.microsoft.com/office/powerpoint/2010/main" val="1322932124"/>
+        <p14:creationId xmlns:p14="http://schemas.microsoft.com/office/powerpoint/2010/main" val="1169777277"/>
       </p:ext>
     </p:extLst>
   </p:cSld>
@@ -4774,52 +5075,10 @@
           <a:chExt cx="0" cy="0"/>
         </a:xfrm>
       </p:grpSpPr>
-      <p:sp>
-        <p:nvSpPr>
-          <p:cNvPr id="2" name="Title 1"/>
-          <p:cNvSpPr>
-            <a:spLocks noGrp="1"/>
-          </p:cNvSpPr>
-          <p:nvPr>
-            <p:ph type="title"/>
-          </p:nvPr>
-        </p:nvSpPr>
-        <p:spPr/>
-        <p:txBody>
-          <a:bodyPr/>
-          <a:lstStyle/>
-          <a:p>
-            <a:r>
-              <a:rPr lang="en-US" dirty="0" smtClean="0"/>
-              <a:t>Logical Model</a:t>
-            </a:r>
-            <a:endParaRPr lang="en-US" dirty="0"/>
-          </a:p>
-        </p:txBody>
-      </p:sp>
-      <p:sp>
-        <p:nvSpPr>
-          <p:cNvPr id="3" name="Content Placeholder 2"/>
-          <p:cNvSpPr>
-            <a:spLocks noGrp="1"/>
-          </p:cNvSpPr>
-          <p:nvPr>
-            <p:ph idx="1"/>
-          </p:nvPr>
-        </p:nvSpPr>
-        <p:spPr/>
-        <p:txBody>
-          <a:bodyPr/>
-          <a:lstStyle/>
-          <a:p>
-            <a:endParaRPr lang="en-US"/>
-          </a:p>
-        </p:txBody>
-      </p:sp>
     </p:spTree>
     <p:extLst>
       <p:ext uri="{BB962C8B-B14F-4D97-AF65-F5344CB8AC3E}">
-        <p14:creationId xmlns:p14="http://schemas.microsoft.com/office/powerpoint/2010/main" val="1793708877"/>
+        <p14:creationId xmlns:p14="http://schemas.microsoft.com/office/powerpoint/2010/main" val="1913176714"/>
       </p:ext>
     </p:extLst>
   </p:cSld>
@@ -4846,52 +5105,10 @@
           <a:chExt cx="0" cy="0"/>
         </a:xfrm>
       </p:grpSpPr>
-      <p:sp>
-        <p:nvSpPr>
-          <p:cNvPr id="2" name="Title 1"/>
-          <p:cNvSpPr>
-            <a:spLocks noGrp="1"/>
-          </p:cNvSpPr>
-          <p:nvPr>
-            <p:ph type="title"/>
-          </p:nvPr>
-        </p:nvSpPr>
-        <p:spPr/>
-        <p:txBody>
-          <a:bodyPr/>
-          <a:lstStyle/>
-          <a:p>
-            <a:r>
-              <a:rPr lang="en-US" dirty="0" smtClean="0"/>
-              <a:t>Relational Data Model</a:t>
-            </a:r>
-            <a:endParaRPr lang="en-US" dirty="0"/>
-          </a:p>
-        </p:txBody>
-      </p:sp>
-      <p:sp>
-        <p:nvSpPr>
-          <p:cNvPr id="3" name="Content Placeholder 2"/>
-          <p:cNvSpPr>
-            <a:spLocks noGrp="1"/>
-          </p:cNvSpPr>
-          <p:nvPr>
-            <p:ph idx="1"/>
-          </p:nvPr>
-        </p:nvSpPr>
-        <p:spPr/>
-        <p:txBody>
-          <a:bodyPr/>
-          <a:lstStyle/>
-          <a:p>
-            <a:endParaRPr lang="en-US"/>
-          </a:p>
-        </p:txBody>
-      </p:sp>
     </p:spTree>
     <p:extLst>
       <p:ext uri="{BB962C8B-B14F-4D97-AF65-F5344CB8AC3E}">
-        <p14:creationId xmlns:p14="http://schemas.microsoft.com/office/powerpoint/2010/main" val="729686448"/>
+        <p14:creationId xmlns:p14="http://schemas.microsoft.com/office/powerpoint/2010/main" val="854709093"/>
       </p:ext>
     </p:extLst>
   </p:cSld>
@@ -4918,6 +5135,36 @@
           <a:chExt cx="0" cy="0"/>
         </a:xfrm>
       </p:grpSpPr>
+    </p:spTree>
+    <p:extLst>
+      <p:ext uri="{BB962C8B-B14F-4D97-AF65-F5344CB8AC3E}">
+        <p14:creationId xmlns:p14="http://schemas.microsoft.com/office/powerpoint/2010/main" val="1286964656"/>
+      </p:ext>
+    </p:extLst>
+  </p:cSld>
+  <p:clrMapOvr>
+    <a:masterClrMapping/>
+  </p:clrMapOvr>
+</p:sld>
+</file>
+
+<file path=ppt/slides/slide6.xml><?xml version="1.0" encoding="utf-8"?>
+<p:sld xmlns:a="http://schemas.openxmlformats.org/drawingml/2006/main" xmlns:r="http://schemas.openxmlformats.org/officeDocument/2006/relationships" xmlns:p="http://schemas.openxmlformats.org/presentationml/2006/main">
+  <p:cSld>
+    <p:spTree>
+      <p:nvGrpSpPr>
+        <p:cNvPr id="1" name=""/>
+        <p:cNvGrpSpPr/>
+        <p:nvPr/>
+      </p:nvGrpSpPr>
+      <p:grpSpPr>
+        <a:xfrm>
+          <a:off x="0" y="0"/>
+          <a:ext cx="0" cy="0"/>
+          <a:chOff x="0" y="0"/>
+          <a:chExt cx="0" cy="0"/>
+        </a:xfrm>
+      </p:grpSpPr>
       <p:sp>
         <p:nvSpPr>
           <p:cNvPr id="2" name="Title 1"/>
@@ -4973,7 +5220,7 @@
 </p:sld>
 </file>
 
-<file path=ppt/slides/slide6.xml><?xml version="1.0" encoding="utf-8"?>
+<file path=ppt/slides/slide7.xml><?xml version="1.0" encoding="utf-8"?>
 <p:sld xmlns:a="http://schemas.openxmlformats.org/drawingml/2006/main" xmlns:r="http://schemas.openxmlformats.org/officeDocument/2006/relationships" xmlns:p="http://schemas.openxmlformats.org/presentationml/2006/main">
   <p:cSld>
     <p:spTree>
@@ -5003,7 +5250,7 @@
 </p:sld>
 </file>
 
-<file path=ppt/slides/slide7.xml><?xml version="1.0" encoding="utf-8"?>
+<file path=ppt/slides/slide8.xml><?xml version="1.0" encoding="utf-8"?>
 <p:sld xmlns:a="http://schemas.openxmlformats.org/drawingml/2006/main" xmlns:r="http://schemas.openxmlformats.org/officeDocument/2006/relationships" xmlns:p="http://schemas.openxmlformats.org/presentationml/2006/main">
   <p:cSld>
     <p:spTree>
@@ -5033,78 +5280,6 @@
 </p:sld>
 </file>
 
-<file path=ppt/slides/slide8.xml><?xml version="1.0" encoding="utf-8"?>
-<p:sld xmlns:a="http://schemas.openxmlformats.org/drawingml/2006/main" xmlns:r="http://schemas.openxmlformats.org/officeDocument/2006/relationships" xmlns:p="http://schemas.openxmlformats.org/presentationml/2006/main">
-  <p:cSld>
-    <p:spTree>
-      <p:nvGrpSpPr>
-        <p:cNvPr id="1" name=""/>
-        <p:cNvGrpSpPr/>
-        <p:nvPr/>
-      </p:nvGrpSpPr>
-      <p:grpSpPr>
-        <a:xfrm>
-          <a:off x="0" y="0"/>
-          <a:ext cx="0" cy="0"/>
-          <a:chOff x="0" y="0"/>
-          <a:chExt cx="0" cy="0"/>
-        </a:xfrm>
-      </p:grpSpPr>
-      <p:sp>
-        <p:nvSpPr>
-          <p:cNvPr id="2" name="Title 1"/>
-          <p:cNvSpPr>
-            <a:spLocks noGrp="1"/>
-          </p:cNvSpPr>
-          <p:nvPr>
-            <p:ph type="title"/>
-          </p:nvPr>
-        </p:nvSpPr>
-        <p:spPr/>
-        <p:txBody>
-          <a:bodyPr/>
-          <a:lstStyle/>
-          <a:p>
-            <a:r>
-              <a:rPr lang="en-US" dirty="0" smtClean="0"/>
-              <a:t>Animal Database</a:t>
-            </a:r>
-            <a:endParaRPr lang="en-US" dirty="0"/>
-          </a:p>
-        </p:txBody>
-      </p:sp>
-      <p:sp>
-        <p:nvSpPr>
-          <p:cNvPr id="3" name="Text Placeholder 2"/>
-          <p:cNvSpPr>
-            <a:spLocks noGrp="1"/>
-          </p:cNvSpPr>
-          <p:nvPr>
-            <p:ph type="body" idx="1"/>
-          </p:nvPr>
-        </p:nvSpPr>
-        <p:spPr/>
-        <p:txBody>
-          <a:bodyPr/>
-          <a:lstStyle/>
-          <a:p>
-            <a:endParaRPr lang="en-US"/>
-          </a:p>
-        </p:txBody>
-      </p:sp>
-    </p:spTree>
-    <p:extLst>
-      <p:ext uri="{BB962C8B-B14F-4D97-AF65-F5344CB8AC3E}">
-        <p14:creationId xmlns:p14="http://schemas.microsoft.com/office/powerpoint/2010/main" val="317411184"/>
-      </p:ext>
-    </p:extLst>
-  </p:cSld>
-  <p:clrMapOvr>
-    <a:masterClrMapping/>
-  </p:clrMapOvr>
-</p:sld>
-</file>
-
 <file path=ppt/slides/slide9.xml><?xml version="1.0" encoding="utf-8"?>
 <p:sld xmlns:a="http://schemas.openxmlformats.org/drawingml/2006/main" xmlns:r="http://schemas.openxmlformats.org/officeDocument/2006/relationships" xmlns:p="http://schemas.openxmlformats.org/presentationml/2006/main">
   <p:cSld>
@@ -5122,10 +5297,52 @@
           <a:chExt cx="0" cy="0"/>
         </a:xfrm>
       </p:grpSpPr>
+      <p:sp>
+        <p:nvSpPr>
+          <p:cNvPr id="2" name="Title 1"/>
+          <p:cNvSpPr>
+            <a:spLocks noGrp="1"/>
+          </p:cNvSpPr>
+          <p:nvPr>
+            <p:ph type="title"/>
+          </p:nvPr>
+        </p:nvSpPr>
+        <p:spPr/>
+        <p:txBody>
+          <a:bodyPr/>
+          <a:lstStyle/>
+          <a:p>
+            <a:r>
+              <a:rPr lang="en-US" dirty="0" smtClean="0"/>
+              <a:t>Animal Database</a:t>
+            </a:r>
+            <a:endParaRPr lang="en-US" dirty="0"/>
+          </a:p>
+        </p:txBody>
+      </p:sp>
+      <p:sp>
+        <p:nvSpPr>
+          <p:cNvPr id="3" name="Text Placeholder 2"/>
+          <p:cNvSpPr>
+            <a:spLocks noGrp="1"/>
+          </p:cNvSpPr>
+          <p:nvPr>
+            <p:ph type="body" idx="1"/>
+          </p:nvPr>
+        </p:nvSpPr>
+        <p:spPr/>
+        <p:txBody>
+          <a:bodyPr/>
+          <a:lstStyle/>
+          <a:p>
+            <a:endParaRPr lang="en-US"/>
+          </a:p>
+        </p:txBody>
+      </p:sp>
     </p:spTree>
     <p:extLst>
       <p:ext uri="{BB962C8B-B14F-4D97-AF65-F5344CB8AC3E}">
-        <p14:creationId xmlns:p14="http://schemas.microsoft.com/office/powerpoint/2010/main" val="1376168128"/>
+        <p14:creationId xmlns:p14="http://schemas.microsoft.com/office/powerpoint/2010/main" val="317411184"/>
       </p:ext>
     </p:extLst>
   </p:cSld>

--- a/Presentation.pptx
+++ b/Presentation.pptx
@@ -4832,6 +4832,12 @@
           <a:lstStyle/>
           <a:p>
             <a:r>
+              <a:rPr lang="en-US" smtClean="0"/>
+              <a:t>Group f15e4</a:t>
+            </a:r>
+          </a:p>
+          <a:p>
+            <a:r>
               <a:rPr lang="en-US" dirty="0" err="1" smtClean="0"/>
               <a:t>Heena</a:t>
             </a:r>
@@ -5203,7 +5209,10 @@
           <a:bodyPr/>
           <a:lstStyle/>
           <a:p>
-            <a:endParaRPr lang="en-US"/>
+            <a:r>
+              <a:rPr lang="en-US" dirty="0" smtClean="0"/>
+              <a:t>Applied research laboratory proposal</a:t>
+            </a:r>
           </a:p>
         </p:txBody>
       </p:sp>
@@ -5335,7 +5344,11 @@
           <a:bodyPr/>
           <a:lstStyle/>
           <a:p>
-            <a:endParaRPr lang="en-US"/>
+            <a:r>
+              <a:rPr lang="en-US" dirty="0" smtClean="0"/>
+              <a:t>Apex mobile application</a:t>
+            </a:r>
+            <a:endParaRPr lang="en-US" dirty="0"/>
           </a:p>
         </p:txBody>
       </p:sp>

--- a/Presentation.pptx
+++ b/Presentation.pptx
@@ -118,6 +118,11 @@
       </a:defRPr>
     </a:lvl9pPr>
   </p:defaultTextStyle>
+  <p:extLst>
+    <p:ext uri="{EFAFB233-063F-42B5-8137-9DF3F51BA10A}">
+      <p15:sldGuideLst xmlns:p15="http://schemas.microsoft.com/office/powerpoint/2012/main"/>
+    </p:ext>
+  </p:extLst>
 </p:presentation>
 </file>
 
@@ -203,7 +208,7 @@
           <a:p>
             <a:fld id="{6CA199C2-D0FB-8B45-B678-EF2FF5086A3C}" type="datetimeFigureOut">
               <a:rPr lang="en-US" smtClean="0"/>
-              <a:t>11/24/15</a:t>
+              <a:t>11/24/2015</a:t>
             </a:fld>
             <a:endParaRPr lang="en-US"/>
           </a:p>
@@ -1378,7 +1383,7 @@
           <a:p>
             <a:fld id="{4BDF68E2-58F2-4D09-BE8B-E3BD06533059}" type="datetimeFigureOut">
               <a:rPr lang="en-US" dirty="0"/>
-              <a:t>11/23/15</a:t>
+              <a:t>11/24/2015</a:t>
             </a:fld>
             <a:endParaRPr lang="en-US" dirty="0"/>
           </a:p>
@@ -1581,7 +1586,7 @@
           <a:p>
             <a:fld id="{2E2D6473-DF6D-4702-B328-E0DD40540A4E}" type="datetimeFigureOut">
               <a:rPr lang="en-US" dirty="0"/>
-              <a:t>11/23/15</a:t>
+              <a:t>11/24/2015</a:t>
             </a:fld>
             <a:endParaRPr lang="en-US" dirty="0"/>
           </a:p>
@@ -1832,7 +1837,7 @@
           <a:p>
             <a:fld id="{E26F7E3A-B166-407D-9866-32884E7D5B37}" type="datetimeFigureOut">
               <a:rPr lang="en-US" dirty="0"/>
-              <a:t>11/23/15</a:t>
+              <a:t>11/24/2015</a:t>
             </a:fld>
             <a:endParaRPr lang="en-US" dirty="0"/>
           </a:p>
@@ -2001,7 +2006,7 @@
           <a:p>
             <a:fld id="{528FC5F6-F338-4AE4-BB23-26385BCFC423}" type="datetimeFigureOut">
               <a:rPr lang="en-US" dirty="0"/>
-              <a:t>11/23/15</a:t>
+              <a:t>11/24/2015</a:t>
             </a:fld>
             <a:endParaRPr lang="en-US" dirty="0"/>
           </a:p>
@@ -2339,7 +2344,7 @@
           <a:p>
             <a:fld id="{20EBB0C4-6273-4C6E-B9BD-2EDC30F1CD52}" type="datetimeFigureOut">
               <a:rPr lang="en-US" dirty="0"/>
-              <a:t>11/23/15</a:t>
+              <a:t>11/24/2015</a:t>
             </a:fld>
             <a:endParaRPr lang="en-US" dirty="0"/>
           </a:p>
@@ -2609,7 +2614,7 @@
           <a:p>
             <a:fld id="{19AB4D41-86C1-4908-B66A-0B50CEB3BF29}" type="datetimeFigureOut">
               <a:rPr lang="en-US" dirty="0"/>
-              <a:t>11/23/15</a:t>
+              <a:t>11/24/2015</a:t>
             </a:fld>
             <a:endParaRPr lang="en-US" dirty="0"/>
           </a:p>
@@ -2983,7 +2988,7 @@
           <a:p>
             <a:fld id="{E6426E2C-56C1-4E0D-A793-0088A7FDD37E}" type="datetimeFigureOut">
               <a:rPr lang="en-US" dirty="0"/>
-              <a:t>11/23/15</a:t>
+              <a:t>11/24/2015</a:t>
             </a:fld>
             <a:endParaRPr lang="en-US" dirty="0"/>
           </a:p>
@@ -3096,7 +3101,7 @@
           <a:p>
             <a:fld id="{C8C39B41-D8B5-4052-B551-9B5525EAA8B6}" type="datetimeFigureOut">
               <a:rPr lang="en-US" dirty="0"/>
-              <a:t>11/23/15</a:t>
+              <a:t>11/24/2015</a:t>
             </a:fld>
             <a:endParaRPr lang="en-US" dirty="0"/>
           </a:p>
@@ -3262,7 +3267,7 @@
           <a:p>
             <a:fld id="{4D94136C-8742-45B2-AF27-D93DF72833A9}" type="datetimeFigureOut">
               <a:rPr lang="en-US" dirty="0"/>
-              <a:t>11/23/15</a:t>
+              <a:t>11/24/2015</a:t>
             </a:fld>
             <a:endParaRPr lang="en-US" dirty="0"/>
           </a:p>
@@ -3612,7 +3617,7 @@
           <a:p>
             <a:fld id="{32ABBEA6-7C60-4B02-AE87-00D78D8422AF}" type="datetimeFigureOut">
               <a:rPr lang="en-US" dirty="0"/>
-              <a:t>11/23/15</a:t>
+              <a:t>11/24/2015</a:t>
             </a:fld>
             <a:endParaRPr lang="en-US" dirty="0"/>
           </a:p>
@@ -3990,7 +3995,7 @@
           <a:p>
             <a:fld id="{C9CAD897-D46E-4AD2-BD9B-49DD3E640873}" type="datetimeFigureOut">
               <a:rPr lang="en-US" dirty="0"/>
-              <a:t>11/23/15</a:t>
+              <a:t>11/24/2015</a:t>
             </a:fld>
             <a:endParaRPr lang="en-US" dirty="0"/>
           </a:p>
@@ -4272,7 +4277,7 @@
           <a:p>
             <a:fld id="{98624D31-43A5-475A-80CF-332C9F6DCF35}" type="datetimeFigureOut">
               <a:rPr lang="en-US" dirty="0"/>
-              <a:t>11/23/15</a:t>
+              <a:t>11/24/2015</a:t>
             </a:fld>
             <a:endParaRPr lang="en-US" dirty="0"/>
           </a:p>
@@ -4915,6 +4920,65 @@
           <a:chExt cx="0" cy="0"/>
         </a:xfrm>
       </p:grpSpPr>
+      <p:pic>
+        <p:nvPicPr>
+          <p:cNvPr id="2" name="Picture 1"/>
+          <p:cNvPicPr>
+            <a:picLocks noChangeAspect="1"/>
+          </p:cNvPicPr>
+          <p:nvPr/>
+        </p:nvPicPr>
+        <p:blipFill>
+          <a:blip r:embed="rId3"/>
+          <a:stretch>
+            <a:fillRect/>
+          </a:stretch>
+        </p:blipFill>
+        <p:spPr>
+          <a:xfrm>
+            <a:off x="587291" y="1914274"/>
+            <a:ext cx="11111455" cy="3572127"/>
+          </a:xfrm>
+          <a:prstGeom prst="rect">
+            <a:avLst/>
+          </a:prstGeom>
+        </p:spPr>
+      </p:pic>
+      <p:sp>
+        <p:nvSpPr>
+          <p:cNvPr id="3" name="TextBox 2"/>
+          <p:cNvSpPr txBox="1"/>
+          <p:nvPr/>
+        </p:nvSpPr>
+        <p:spPr>
+          <a:xfrm>
+            <a:off x="1844842" y="449179"/>
+            <a:ext cx="8261684" cy="938719"/>
+          </a:xfrm>
+          <a:prstGeom prst="rect">
+            <a:avLst/>
+          </a:prstGeom>
+          <a:noFill/>
+        </p:spPr>
+        <p:txBody>
+          <a:bodyPr wrap="square" rtlCol="0">
+            <a:spAutoFit/>
+          </a:bodyPr>
+          <a:lstStyle/>
+          <a:p>
+            <a:pPr algn="ctr"/>
+            <a:r>
+              <a:rPr lang="en-US" sz="5500" dirty="0" smtClean="0">
+                <a:latin typeface="+mj-lt"/>
+              </a:rPr>
+              <a:t>Conceptual Model</a:t>
+            </a:r>
+            <a:endParaRPr lang="en-US" sz="5500" dirty="0">
+              <a:latin typeface="+mj-lt"/>
+            </a:endParaRPr>
+          </a:p>
+        </p:txBody>
+      </p:sp>
     </p:spTree>
     <p:extLst>
       <p:ext uri="{BB962C8B-B14F-4D97-AF65-F5344CB8AC3E}">
@@ -4945,6 +5009,89 @@
           <a:chExt cx="0" cy="0"/>
         </a:xfrm>
       </p:grpSpPr>
+      <p:pic>
+        <p:nvPicPr>
+          <p:cNvPr id="2" name="Picture 1"/>
+          <p:cNvPicPr>
+            <a:picLocks noChangeAspect="1"/>
+          </p:cNvPicPr>
+          <p:nvPr/>
+        </p:nvPicPr>
+        <p:blipFill>
+          <a:blip r:embed="rId3"/>
+          <a:stretch>
+            <a:fillRect/>
+          </a:stretch>
+        </p:blipFill>
+        <p:spPr>
+          <a:xfrm>
+            <a:off x="215065" y="1411705"/>
+            <a:ext cx="8672261" cy="4813884"/>
+          </a:xfrm>
+          <a:prstGeom prst="rect">
+            <a:avLst/>
+          </a:prstGeom>
+        </p:spPr>
+      </p:pic>
+      <p:pic>
+        <p:nvPicPr>
+          <p:cNvPr id="3" name="Picture 2"/>
+          <p:cNvPicPr>
+            <a:picLocks noChangeAspect="1"/>
+          </p:cNvPicPr>
+          <p:nvPr/>
+        </p:nvPicPr>
+        <p:blipFill>
+          <a:blip r:embed="rId4"/>
+          <a:stretch>
+            <a:fillRect/>
+          </a:stretch>
+        </p:blipFill>
+        <p:spPr>
+          <a:xfrm>
+            <a:off x="8999621" y="2462463"/>
+            <a:ext cx="3064041" cy="2101516"/>
+          </a:xfrm>
+          <a:prstGeom prst="rect">
+            <a:avLst/>
+          </a:prstGeom>
+        </p:spPr>
+      </p:pic>
+      <p:sp>
+        <p:nvSpPr>
+          <p:cNvPr id="4" name="TextBox 3"/>
+          <p:cNvSpPr txBox="1"/>
+          <p:nvPr/>
+        </p:nvSpPr>
+        <p:spPr>
+          <a:xfrm>
+            <a:off x="1636295" y="352926"/>
+            <a:ext cx="8758989" cy="830997"/>
+          </a:xfrm>
+          <a:prstGeom prst="rect">
+            <a:avLst/>
+          </a:prstGeom>
+          <a:noFill/>
+        </p:spPr>
+        <p:txBody>
+          <a:bodyPr wrap="square" rtlCol="0">
+            <a:spAutoFit/>
+          </a:bodyPr>
+          <a:lstStyle/>
+          <a:p>
+            <a:pPr algn="ctr"/>
+            <a:r>
+              <a:rPr lang="en-US" sz="4800" dirty="0" smtClean="0">
+                <a:latin typeface="+mj-lt"/>
+              </a:rPr>
+              <a:t>Mobile Application </a:t>
+            </a:r>
+            <a:endParaRPr lang="en-US" sz="4800" dirty="0">
+              <a:latin typeface="+mj-lt"/>
+            </a:endParaRPr>
+          </a:p>
+        </p:txBody>
+      </p:sp>
     </p:spTree>
     <p:extLst>
       <p:ext uri="{BB962C8B-B14F-4D97-AF65-F5344CB8AC3E}">

--- a/Presentation.pptx
+++ b/Presentation.pptx
@@ -208,7 +208,7 @@
           <a:p>
             <a:fld id="{6CA199C2-D0FB-8B45-B678-EF2FF5086A3C}" type="datetimeFigureOut">
               <a:rPr lang="en-US" smtClean="0"/>
-              <a:t>11/24/2015</a:t>
+              <a:t>11/24/15</a:t>
             </a:fld>
             <a:endParaRPr lang="en-US"/>
           </a:p>
@@ -1383,7 +1383,7 @@
           <a:p>
             <a:fld id="{4BDF68E2-58F2-4D09-BE8B-E3BD06533059}" type="datetimeFigureOut">
               <a:rPr lang="en-US" dirty="0"/>
-              <a:t>11/24/2015</a:t>
+              <a:t>11/24/15</a:t>
             </a:fld>
             <a:endParaRPr lang="en-US" dirty="0"/>
           </a:p>
@@ -1586,7 +1586,7 @@
           <a:p>
             <a:fld id="{2E2D6473-DF6D-4702-B328-E0DD40540A4E}" type="datetimeFigureOut">
               <a:rPr lang="en-US" dirty="0"/>
-              <a:t>11/24/2015</a:t>
+              <a:t>11/24/15</a:t>
             </a:fld>
             <a:endParaRPr lang="en-US" dirty="0"/>
           </a:p>
@@ -1837,7 +1837,7 @@
           <a:p>
             <a:fld id="{E26F7E3A-B166-407D-9866-32884E7D5B37}" type="datetimeFigureOut">
               <a:rPr lang="en-US" dirty="0"/>
-              <a:t>11/24/2015</a:t>
+              <a:t>11/24/15</a:t>
             </a:fld>
             <a:endParaRPr lang="en-US" dirty="0"/>
           </a:p>
@@ -2006,7 +2006,7 @@
           <a:p>
             <a:fld id="{528FC5F6-F338-4AE4-BB23-26385BCFC423}" type="datetimeFigureOut">
               <a:rPr lang="en-US" dirty="0"/>
-              <a:t>11/24/2015</a:t>
+              <a:t>11/24/15</a:t>
             </a:fld>
             <a:endParaRPr lang="en-US" dirty="0"/>
           </a:p>
@@ -2344,7 +2344,7 @@
           <a:p>
             <a:fld id="{20EBB0C4-6273-4C6E-B9BD-2EDC30F1CD52}" type="datetimeFigureOut">
               <a:rPr lang="en-US" dirty="0"/>
-              <a:t>11/24/2015</a:t>
+              <a:t>11/24/15</a:t>
             </a:fld>
             <a:endParaRPr lang="en-US" dirty="0"/>
           </a:p>
@@ -2614,7 +2614,7 @@
           <a:p>
             <a:fld id="{19AB4D41-86C1-4908-B66A-0B50CEB3BF29}" type="datetimeFigureOut">
               <a:rPr lang="en-US" dirty="0"/>
-              <a:t>11/24/2015</a:t>
+              <a:t>11/24/15</a:t>
             </a:fld>
             <a:endParaRPr lang="en-US" dirty="0"/>
           </a:p>
@@ -2988,7 +2988,7 @@
           <a:p>
             <a:fld id="{E6426E2C-56C1-4E0D-A793-0088A7FDD37E}" type="datetimeFigureOut">
               <a:rPr lang="en-US" dirty="0"/>
-              <a:t>11/24/2015</a:t>
+              <a:t>11/24/15</a:t>
             </a:fld>
             <a:endParaRPr lang="en-US" dirty="0"/>
           </a:p>
@@ -3101,7 +3101,7 @@
           <a:p>
             <a:fld id="{C8C39B41-D8B5-4052-B551-9B5525EAA8B6}" type="datetimeFigureOut">
               <a:rPr lang="en-US" dirty="0"/>
-              <a:t>11/24/2015</a:t>
+              <a:t>11/24/15</a:t>
             </a:fld>
             <a:endParaRPr lang="en-US" dirty="0"/>
           </a:p>
@@ -3267,7 +3267,7 @@
           <a:p>
             <a:fld id="{4D94136C-8742-45B2-AF27-D93DF72833A9}" type="datetimeFigureOut">
               <a:rPr lang="en-US" dirty="0"/>
-              <a:t>11/24/2015</a:t>
+              <a:t>11/24/15</a:t>
             </a:fld>
             <a:endParaRPr lang="en-US" dirty="0"/>
           </a:p>
@@ -3617,7 +3617,7 @@
           <a:p>
             <a:fld id="{32ABBEA6-7C60-4B02-AE87-00D78D8422AF}" type="datetimeFigureOut">
               <a:rPr lang="en-US" dirty="0"/>
-              <a:t>11/24/2015</a:t>
+              <a:t>11/24/15</a:t>
             </a:fld>
             <a:endParaRPr lang="en-US" dirty="0"/>
           </a:p>
@@ -3995,7 +3995,7 @@
           <a:p>
             <a:fld id="{C9CAD897-D46E-4AD2-BD9B-49DD3E640873}" type="datetimeFigureOut">
               <a:rPr lang="en-US" dirty="0"/>
-              <a:t>11/24/2015</a:t>
+              <a:t>11/24/15</a:t>
             </a:fld>
             <a:endParaRPr lang="en-US" dirty="0"/>
           </a:p>
@@ -4277,7 +4277,7 @@
           <a:p>
             <a:fld id="{98624D31-43A5-475A-80CF-332C9F6DCF35}" type="datetimeFigureOut">
               <a:rPr lang="en-US" dirty="0"/>
-              <a:t>11/24/2015</a:t>
+              <a:t>11/24/15</a:t>
             </a:fld>
             <a:endParaRPr lang="en-US" dirty="0"/>
           </a:p>
@@ -5228,6 +5228,36 @@
           <a:chExt cx="0" cy="0"/>
         </a:xfrm>
       </p:grpSpPr>
+      <p:pic>
+        <p:nvPicPr>
+          <p:cNvPr id="2" name="Picture 1"/>
+          <p:cNvPicPr>
+            <a:picLocks noChangeAspect="1"/>
+          </p:cNvPicPr>
+          <p:nvPr/>
+        </p:nvPicPr>
+        <p:blipFill>
+          <a:blip r:embed="rId3">
+            <a:extLst>
+              <a:ext uri="{28A0092B-C50C-407E-A947-70E740481C1C}">
+                <a14:useLocalDpi xmlns:a14="http://schemas.microsoft.com/office/drawing/2010/main" val="0"/>
+              </a:ext>
+            </a:extLst>
+          </a:blip>
+          <a:stretch>
+            <a:fillRect/>
+          </a:stretch>
+        </p:blipFill>
+        <p:spPr>
+          <a:xfrm>
+            <a:off x="2210982" y="255182"/>
+            <a:ext cx="7688584" cy="6368902"/>
+          </a:xfrm>
+          <a:prstGeom prst="rect">
+            <a:avLst/>
+          </a:prstGeom>
+        </p:spPr>
+      </p:pic>
     </p:spTree>
     <p:extLst>
       <p:ext uri="{BB962C8B-B14F-4D97-AF65-F5344CB8AC3E}">
@@ -5258,6 +5288,36 @@
           <a:chExt cx="0" cy="0"/>
         </a:xfrm>
       </p:grpSpPr>
+      <p:pic>
+        <p:nvPicPr>
+          <p:cNvPr id="2" name="Picture 1"/>
+          <p:cNvPicPr>
+            <a:picLocks noChangeAspect="1"/>
+          </p:cNvPicPr>
+          <p:nvPr/>
+        </p:nvPicPr>
+        <p:blipFill>
+          <a:blip r:embed="rId3">
+            <a:extLst>
+              <a:ext uri="{28A0092B-C50C-407E-A947-70E740481C1C}">
+                <a14:useLocalDpi xmlns:a14="http://schemas.microsoft.com/office/drawing/2010/main" val="0"/>
+              </a:ext>
+            </a:extLst>
+          </a:blip>
+          <a:stretch>
+            <a:fillRect/>
+          </a:stretch>
+        </p:blipFill>
+        <p:spPr>
+          <a:xfrm>
+            <a:off x="1939261" y="434777"/>
+            <a:ext cx="9267456" cy="6168041"/>
+          </a:xfrm>
+          <a:prstGeom prst="rect">
+            <a:avLst/>
+          </a:prstGeom>
+        </p:spPr>
+      </p:pic>
     </p:spTree>
     <p:extLst>
       <p:ext uri="{BB962C8B-B14F-4D97-AF65-F5344CB8AC3E}">
@@ -5288,6 +5348,36 @@
           <a:chExt cx="0" cy="0"/>
         </a:xfrm>
       </p:grpSpPr>
+      <p:pic>
+        <p:nvPicPr>
+          <p:cNvPr id="2" name="Picture 1"/>
+          <p:cNvPicPr>
+            <a:picLocks noChangeAspect="1"/>
+          </p:cNvPicPr>
+          <p:nvPr/>
+        </p:nvPicPr>
+        <p:blipFill>
+          <a:blip r:embed="rId3">
+            <a:extLst>
+              <a:ext uri="{28A0092B-C50C-407E-A947-70E740481C1C}">
+                <a14:useLocalDpi xmlns:a14="http://schemas.microsoft.com/office/drawing/2010/main" val="0"/>
+              </a:ext>
+            </a:extLst>
+          </a:blip>
+          <a:stretch>
+            <a:fillRect/>
+          </a:stretch>
+        </p:blipFill>
+        <p:spPr>
+          <a:xfrm>
+            <a:off x="1386369" y="219622"/>
+            <a:ext cx="9692758" cy="6451105"/>
+          </a:xfrm>
+          <a:prstGeom prst="rect">
+            <a:avLst/>
+          </a:prstGeom>
+        </p:spPr>
+      </p:pic>
     </p:spTree>
     <p:extLst>
       <p:ext uri="{BB962C8B-B14F-4D97-AF65-F5344CB8AC3E}">

--- a/Presentation.pptx
+++ b/Presentation.pptx
@@ -4989,6 +4989,13 @@
   <p:clrMapOvr>
     <a:masterClrMapping/>
   </p:clrMapOvr>
+  <p:timing>
+    <p:tnLst>
+      <p:par>
+        <p:cTn id="1" dur="indefinite" restart="never" nodeType="tmRoot"/>
+      </p:par>
+    </p:tnLst>
+  </p:timing>
 </p:sld>
 </file>
 
@@ -5102,6 +5109,13 @@
   <p:clrMapOvr>
     <a:masterClrMapping/>
   </p:clrMapOvr>
+  <p:timing>
+    <p:tnLst>
+      <p:par>
+        <p:cTn id="1" dur="indefinite" restart="never" nodeType="tmRoot"/>
+      </p:par>
+    </p:tnLst>
+  </p:timing>
 </p:sld>
 </file>
 
@@ -5132,6 +5146,13 @@
   <p:clrMapOvr>
     <a:masterClrMapping/>
   </p:clrMapOvr>
+  <p:timing>
+    <p:tnLst>
+      <p:par>
+        <p:cTn id="1" dur="indefinite" restart="never" nodeType="tmRoot"/>
+      </p:par>
+    </p:tnLst>
+  </p:timing>
 </p:sld>
 </file>
 
@@ -5208,6 +5229,13 @@
   <p:clrMapOvr>
     <a:masterClrMapping/>
   </p:clrMapOvr>
+  <p:timing>
+    <p:tnLst>
+      <p:par>
+        <p:cTn id="1" dur="indefinite" restart="never" nodeType="tmRoot"/>
+      </p:par>
+    </p:tnLst>
+  </p:timing>
 </p:sld>
 </file>
 
@@ -5268,6 +5296,13 @@
   <p:clrMapOvr>
     <a:masterClrMapping/>
   </p:clrMapOvr>
+  <p:timing>
+    <p:tnLst>
+      <p:par>
+        <p:cTn id="1" dur="indefinite" restart="never" nodeType="tmRoot"/>
+      </p:par>
+    </p:tnLst>
+  </p:timing>
 </p:sld>
 </file>
 
@@ -5328,6 +5363,13 @@
   <p:clrMapOvr>
     <a:masterClrMapping/>
   </p:clrMapOvr>
+  <p:timing>
+    <p:tnLst>
+      <p:par>
+        <p:cTn id="1" dur="indefinite" restart="never" nodeType="tmRoot"/>
+      </p:par>
+    </p:tnLst>
+  </p:timing>
 </p:sld>
 </file>
 
@@ -5388,6 +5430,13 @@
   <p:clrMapOvr>
     <a:masterClrMapping/>
   </p:clrMapOvr>
+  <p:timing>
+    <p:tnLst>
+      <p:par>
+        <p:cTn id="1" dur="indefinite" restart="never" nodeType="tmRoot"/>
+      </p:par>
+    </p:tnLst>
+  </p:timing>
 </p:sld>
 </file>
 
@@ -5463,6 +5512,13 @@
   <p:clrMapOvr>
     <a:masterClrMapping/>
   </p:clrMapOvr>
+  <p:timing>
+    <p:tnLst>
+      <p:par>
+        <p:cTn id="1" dur="indefinite" restart="never" nodeType="tmRoot"/>
+      </p:par>
+    </p:tnLst>
+  </p:timing>
 </p:sld>
 </file>
 
@@ -5493,6 +5549,13 @@
   <p:clrMapOvr>
     <a:masterClrMapping/>
   </p:clrMapOvr>
+  <p:timing>
+    <p:tnLst>
+      <p:par>
+        <p:cTn id="1" dur="indefinite" restart="never" nodeType="tmRoot"/>
+      </p:par>
+    </p:tnLst>
+  </p:timing>
 </p:sld>
 </file>
 
@@ -5523,6 +5586,13 @@
   <p:clrMapOvr>
     <a:masterClrMapping/>
   </p:clrMapOvr>
+  <p:timing>
+    <p:tnLst>
+      <p:par>
+        <p:cTn id="1" dur="indefinite" restart="never" nodeType="tmRoot"/>
+      </p:par>
+    </p:tnLst>
+  </p:timing>
 </p:sld>
 </file>
 
@@ -5599,6 +5669,13 @@
   <p:clrMapOvr>
     <a:masterClrMapping/>
   </p:clrMapOvr>
+  <p:timing>
+    <p:tnLst>
+      <p:par>
+        <p:cTn id="1" dur="indefinite" restart="never" nodeType="tmRoot"/>
+      </p:par>
+    </p:tnLst>
+  </p:timing>
 </p:sld>
 </file>
 
